--- a/Agile Business Analysis/01-Intro to Agile Analysis.pptx
+++ b/Agile Business Analysis/01-Intro to Agile Analysis.pptx
@@ -229,6 +229,34 @@
         </p14:section>
       </p14:sectionLst>
     </p:ext>
+    <p:ext uri="{EFAFB233-063F-42B5-8137-9DF3F51BA10A}">
+      <p15:sldGuideLst xmlns:p15="http://schemas.microsoft.com/office/powerpoint/2012/main">
+        <p15:guide id="1" orient="horz" pos="2160">
+          <p15:clr>
+            <a:srgbClr val="A4A3A4"/>
+          </p15:clr>
+        </p15:guide>
+        <p15:guide id="2" pos="2880">
+          <p15:clr>
+            <a:srgbClr val="A4A3A4"/>
+          </p15:clr>
+        </p15:guide>
+      </p15:sldGuideLst>
+    </p:ext>
+    <p:ext uri="{2D200454-40CA-4A62-9FC3-DE9A4176ACB9}">
+      <p15:notesGuideLst xmlns:p15="http://schemas.microsoft.com/office/powerpoint/2012/main">
+        <p15:guide id="1" orient="horz" pos="2921">
+          <p15:clr>
+            <a:srgbClr val="A4A3A4"/>
+          </p15:clr>
+        </p15:guide>
+        <p15:guide id="2" pos="2200">
+          <p15:clr>
+            <a:srgbClr val="A4A3A4"/>
+          </p15:clr>
+        </p15:guide>
+      </p15:notesGuideLst>
+    </p:ext>
   </p:extLst>
 </p:presentation>
 </file>
@@ -374,7 +402,7 @@
             <a:fld id="{3645A85B-5EE2-224D-892B-EBDEE738041D}" type="datetime1">
               <a:rPr lang="en-US"/>
               <a:pPr/>
-              <a:t>9/25/15</a:t>
+              <a:t>10/5/15</a:t>
             </a:fld>
             <a:endParaRPr lang="en-US"/>
           </a:p>
@@ -617,7 +645,7 @@
             <a:fld id="{357A0049-9727-1C49-9F90-B954D42273FA}" type="datetime1">
               <a:rPr lang="en-US"/>
               <a:pPr/>
-              <a:t>9/25/15</a:t>
+              <a:t>10/5/15</a:t>
             </a:fld>
             <a:endParaRPr lang="en-US"/>
           </a:p>
@@ -1107,6 +1135,11 @@
         </p:txBody>
       </p:sp>
     </p:spTree>
+    <p:extLst>
+      <p:ext uri="{BB962C8B-B14F-4D97-AF65-F5344CB8AC3E}">
+        <p14:creationId xmlns:p14="http://schemas.microsoft.com/office/powerpoint/2010/main" val="1545813155"/>
+      </p:ext>
+    </p:extLst>
   </p:cSld>
   <p:clrMapOvr>
     <a:masterClrMapping/>
@@ -1325,6 +1358,11 @@
         </p:txBody>
       </p:sp>
     </p:spTree>
+    <p:extLst>
+      <p:ext uri="{BB962C8B-B14F-4D97-AF65-F5344CB8AC3E}">
+        <p14:creationId xmlns:p14="http://schemas.microsoft.com/office/powerpoint/2010/main" val="615155025"/>
+      </p:ext>
+    </p:extLst>
   </p:cSld>
   <p:clrMapOvr>
     <a:masterClrMapping/>
@@ -1405,7 +1443,7 @@
         </p:spPr>
         <p:txBody>
           <a:bodyPr>
-            <a:normAutofit fontScale="92500" lnSpcReduction="10000"/>
+            <a:normAutofit fontScale="92500" lnSpcReduction="20000"/>
           </a:bodyPr>
           <a:lstStyle/>
           <a:p>
@@ -1599,6 +1637,11 @@
         </p:txBody>
       </p:sp>
     </p:spTree>
+    <p:extLst>
+      <p:ext uri="{BB962C8B-B14F-4D97-AF65-F5344CB8AC3E}">
+        <p14:creationId xmlns:p14="http://schemas.microsoft.com/office/powerpoint/2010/main" val="924228517"/>
+      </p:ext>
+    </p:extLst>
   </p:cSld>
   <p:clrMapOvr>
     <a:masterClrMapping/>
@@ -1686,7 +1729,9 @@
           <a:ln/>
         </p:spPr>
         <p:txBody>
-          <a:bodyPr/>
+          <a:bodyPr>
+            <a:normAutofit fontScale="85000" lnSpcReduction="20000"/>
+          </a:bodyPr>
           <a:lstStyle/>
           <a:p>
             <a:pPr>
@@ -1864,6 +1909,11 @@
         </p:txBody>
       </p:sp>
     </p:spTree>
+    <p:extLst>
+      <p:ext uri="{BB962C8B-B14F-4D97-AF65-F5344CB8AC3E}">
+        <p14:creationId xmlns:p14="http://schemas.microsoft.com/office/powerpoint/2010/main" val="759466468"/>
+      </p:ext>
+    </p:extLst>
   </p:cSld>
   <p:clrMapOvr>
     <a:masterClrMapping/>
@@ -1946,6 +1996,11 @@
         </p:txBody>
       </p:sp>
     </p:spTree>
+    <p:extLst>
+      <p:ext uri="{BB962C8B-B14F-4D97-AF65-F5344CB8AC3E}">
+        <p14:creationId xmlns:p14="http://schemas.microsoft.com/office/powerpoint/2010/main" val="1857613555"/>
+      </p:ext>
+    </p:extLst>
   </p:cSld>
   <p:clrMapOvr>
     <a:masterClrMapping/>
@@ -2090,6 +2145,11 @@
         </p:txBody>
       </p:sp>
     </p:spTree>
+    <p:extLst>
+      <p:ext uri="{BB962C8B-B14F-4D97-AF65-F5344CB8AC3E}">
+        <p14:creationId xmlns:p14="http://schemas.microsoft.com/office/powerpoint/2010/main" val="793758799"/>
+      </p:ext>
+    </p:extLst>
   </p:cSld>
   <p:clrMapOvr>
     <a:masterClrMapping/>
@@ -2251,6 +2311,11 @@
         </p:txBody>
       </p:sp>
     </p:spTree>
+    <p:extLst>
+      <p:ext uri="{BB962C8B-B14F-4D97-AF65-F5344CB8AC3E}">
+        <p14:creationId xmlns:p14="http://schemas.microsoft.com/office/powerpoint/2010/main" val="535719629"/>
+      </p:ext>
+    </p:extLst>
   </p:cSld>
   <p:clrMapOvr>
     <a:masterClrMapping/>
@@ -2378,6 +2443,11 @@
         </p:txBody>
       </p:sp>
     </p:spTree>
+    <p:extLst>
+      <p:ext uri="{BB962C8B-B14F-4D97-AF65-F5344CB8AC3E}">
+        <p14:creationId xmlns:p14="http://schemas.microsoft.com/office/powerpoint/2010/main" val="1588356379"/>
+      </p:ext>
+    </p:extLst>
   </p:cSld>
   <p:clrMapOvr>
     <a:masterClrMapping/>
@@ -2516,6 +2586,11 @@
         </p:txBody>
       </p:sp>
     </p:spTree>
+    <p:extLst>
+      <p:ext uri="{BB962C8B-B14F-4D97-AF65-F5344CB8AC3E}">
+        <p14:creationId xmlns:p14="http://schemas.microsoft.com/office/powerpoint/2010/main" val="136445996"/>
+      </p:ext>
+    </p:extLst>
   </p:cSld>
   <p:clrMapOvr>
     <a:masterClrMapping/>
@@ -2601,6 +2676,11 @@
         </p:txBody>
       </p:sp>
     </p:spTree>
+    <p:extLst>
+      <p:ext uri="{BB962C8B-B14F-4D97-AF65-F5344CB8AC3E}">
+        <p14:creationId xmlns:p14="http://schemas.microsoft.com/office/powerpoint/2010/main" val="1882803423"/>
+      </p:ext>
+    </p:extLst>
   </p:cSld>
   <p:clrMapOvr>
     <a:masterClrMapping/>
@@ -2723,6 +2803,11 @@
         </p:txBody>
       </p:sp>
     </p:spTree>
+    <p:extLst>
+      <p:ext uri="{BB962C8B-B14F-4D97-AF65-F5344CB8AC3E}">
+        <p14:creationId xmlns:p14="http://schemas.microsoft.com/office/powerpoint/2010/main" val="1105591816"/>
+      </p:ext>
+    </p:extLst>
   </p:cSld>
   <p:clrMapOvr>
     <a:masterClrMapping/>
@@ -2833,6 +2918,11 @@
         </p:txBody>
       </p:sp>
     </p:spTree>
+    <p:extLst>
+      <p:ext uri="{BB962C8B-B14F-4D97-AF65-F5344CB8AC3E}">
+        <p14:creationId xmlns:p14="http://schemas.microsoft.com/office/powerpoint/2010/main" val="224534679"/>
+      </p:ext>
+    </p:extLst>
   </p:cSld>
   <p:clrMapOvr>
     <a:masterClrMapping/>
@@ -2935,6 +3025,11 @@
         </p:txBody>
       </p:sp>
     </p:spTree>
+    <p:extLst>
+      <p:ext uri="{BB962C8B-B14F-4D97-AF65-F5344CB8AC3E}">
+        <p14:creationId xmlns:p14="http://schemas.microsoft.com/office/powerpoint/2010/main" val="1653137668"/>
+      </p:ext>
+    </p:extLst>
   </p:cSld>
   <p:clrMapOvr>
     <a:masterClrMapping/>
@@ -3023,6 +3118,11 @@
         </p:txBody>
       </p:sp>
     </p:spTree>
+    <p:extLst>
+      <p:ext uri="{BB962C8B-B14F-4D97-AF65-F5344CB8AC3E}">
+        <p14:creationId xmlns:p14="http://schemas.microsoft.com/office/powerpoint/2010/main" val="141361190"/>
+      </p:ext>
+    </p:extLst>
   </p:cSld>
   <p:clrMapOvr>
     <a:masterClrMapping/>
@@ -3261,6 +3361,11 @@
         </p:txBody>
       </p:sp>
     </p:spTree>
+    <p:extLst>
+      <p:ext uri="{BB962C8B-B14F-4D97-AF65-F5344CB8AC3E}">
+        <p14:creationId xmlns:p14="http://schemas.microsoft.com/office/powerpoint/2010/main" val="740606748"/>
+      </p:ext>
+    </p:extLst>
   </p:cSld>
   <p:clrMapOvr>
     <a:masterClrMapping/>
@@ -3375,6 +3480,11 @@
         </p:txBody>
       </p:sp>
     </p:spTree>
+    <p:extLst>
+      <p:ext uri="{BB962C8B-B14F-4D97-AF65-F5344CB8AC3E}">
+        <p14:creationId xmlns:p14="http://schemas.microsoft.com/office/powerpoint/2010/main" val="562395624"/>
+      </p:ext>
+    </p:extLst>
   </p:cSld>
   <p:clrMapOvr>
     <a:masterClrMapping/>
@@ -3619,6 +3729,11 @@
         </p:txBody>
       </p:sp>
     </p:spTree>
+    <p:extLst>
+      <p:ext uri="{BB962C8B-B14F-4D97-AF65-F5344CB8AC3E}">
+        <p14:creationId xmlns:p14="http://schemas.microsoft.com/office/powerpoint/2010/main" val="79662706"/>
+      </p:ext>
+    </p:extLst>
   </p:cSld>
   <p:clrMapOvr>
     <a:masterClrMapping/>
@@ -3698,7 +3813,9 @@
           <a:ln/>
         </p:spPr>
         <p:txBody>
-          <a:bodyPr/>
+          <a:bodyPr>
+            <a:normAutofit fontScale="85000" lnSpcReduction="10000"/>
+          </a:bodyPr>
           <a:lstStyle/>
           <a:p>
             <a:pPr>
@@ -3794,6 +3911,11 @@
         </p:txBody>
       </p:sp>
     </p:spTree>
+    <p:extLst>
+      <p:ext uri="{BB962C8B-B14F-4D97-AF65-F5344CB8AC3E}">
+        <p14:creationId xmlns:p14="http://schemas.microsoft.com/office/powerpoint/2010/main" val="1008787661"/>
+      </p:ext>
+    </p:extLst>
   </p:cSld>
   <p:clrMapOvr>
     <a:masterClrMapping/>
@@ -3984,6 +4106,11 @@
         </p:txBody>
       </p:sp>
     </p:spTree>
+    <p:extLst>
+      <p:ext uri="{BB962C8B-B14F-4D97-AF65-F5344CB8AC3E}">
+        <p14:creationId xmlns:p14="http://schemas.microsoft.com/office/powerpoint/2010/main" val="310825362"/>
+      </p:ext>
+    </p:extLst>
   </p:cSld>
   <p:clrMapOvr>
     <a:masterClrMapping/>
@@ -4063,7 +4190,9 @@
           <a:ln/>
         </p:spPr>
         <p:txBody>
-          <a:bodyPr/>
+          <a:bodyPr>
+            <a:normAutofit fontScale="77500" lnSpcReduction="20000"/>
+          </a:bodyPr>
           <a:lstStyle/>
           <a:p>
             <a:pPr eaLnBrk="1" hangingPunct="1">
@@ -4277,6 +4406,11 @@
         </p:txBody>
       </p:sp>
     </p:spTree>
+    <p:extLst>
+      <p:ext uri="{BB962C8B-B14F-4D97-AF65-F5344CB8AC3E}">
+        <p14:creationId xmlns:p14="http://schemas.microsoft.com/office/powerpoint/2010/main" val="1361629630"/>
+      </p:ext>
+    </p:extLst>
   </p:cSld>
   <p:clrMapOvr>
     <a:masterClrMapping/>
@@ -4556,6 +4690,11 @@
         </p:txBody>
       </p:sp>
     </p:spTree>
+    <p:extLst>
+      <p:ext uri="{BB962C8B-B14F-4D97-AF65-F5344CB8AC3E}">
+        <p14:creationId xmlns:p14="http://schemas.microsoft.com/office/powerpoint/2010/main" val="1718841267"/>
+      </p:ext>
+    </p:extLst>
   </p:cSld>
   <p:clrMapOvr>
     <a:masterClrMapping/>
@@ -5105,7 +5244,7 @@
   <p:clrMapOvr>
     <a:masterClrMapping/>
   </p:clrMapOvr>
-  <p:transition xmlns:p14="http://schemas.microsoft.com/office/powerpoint/2010/main" spd="med">
+  <p:transition spd="med">
     <p:fade/>
   </p:transition>
 </p:sldLayout>
@@ -5173,11 +5312,11 @@
   <p:clrMapOvr>
     <a:masterClrMapping/>
   </p:clrMapOvr>
-  <p:transition xmlns:p14="http://schemas.microsoft.com/office/powerpoint/2010/main"/>
+  <p:transition/>
   <p:timing>
     <p:tnLst>
       <p:par>
-        <p:cTn xmlns:p14="http://schemas.microsoft.com/office/powerpoint/2010/main" id="1" dur="indefinite" restart="never" nodeType="tmRoot"/>
+        <p:cTn id="1" dur="indefinite" restart="never" nodeType="tmRoot"/>
       </p:par>
     </p:tnLst>
   </p:timing>
@@ -5322,7 +5461,7 @@
   <p:timing>
     <p:tnLst>
       <p:par>
-        <p:cTn xmlns:p14="http://schemas.microsoft.com/office/powerpoint/2010/main" id="1" dur="indefinite" restart="never" nodeType="tmRoot"/>
+        <p:cTn id="1" dur="indefinite" restart="never" nodeType="tmRoot"/>
       </p:par>
     </p:tnLst>
   </p:timing>
@@ -5514,13 +5653,13 @@
   <p:clrMapOvr>
     <a:masterClrMapping/>
   </p:clrMapOvr>
-  <p:transition xmlns:p14="http://schemas.microsoft.com/office/powerpoint/2010/main" spd="med">
+  <p:transition spd="med">
     <p:fade/>
   </p:transition>
   <p:timing>
     <p:tnLst>
       <p:par>
-        <p:cTn xmlns:p14="http://schemas.microsoft.com/office/powerpoint/2010/main" id="1" dur="indefinite" restart="never" nodeType="tmRoot"/>
+        <p:cTn id="1" dur="indefinite" restart="never" nodeType="tmRoot"/>
       </p:par>
     </p:tnLst>
   </p:timing>
@@ -5929,13 +6068,13 @@
   <p:clrMapOvr>
     <a:masterClrMapping/>
   </p:clrMapOvr>
-  <p:transition xmlns:p14="http://schemas.microsoft.com/office/powerpoint/2010/main" spd="med">
+  <p:transition spd="med">
     <p:fade/>
   </p:transition>
   <p:timing>
     <p:tnLst>
       <p:par>
-        <p:cTn xmlns:p14="http://schemas.microsoft.com/office/powerpoint/2010/main" id="1" dur="indefinite" restart="never" nodeType="tmRoot"/>
+        <p:cTn id="1" dur="indefinite" restart="never" nodeType="tmRoot"/>
       </p:par>
     </p:tnLst>
   </p:timing>
@@ -6296,13 +6435,13 @@
   <p:clrMapOvr>
     <a:masterClrMapping/>
   </p:clrMapOvr>
-  <p:transition xmlns:p14="http://schemas.microsoft.com/office/powerpoint/2010/main" spd="med">
+  <p:transition spd="med">
     <p:fade/>
   </p:transition>
   <p:timing>
     <p:tnLst>
       <p:par>
-        <p:cTn xmlns:p14="http://schemas.microsoft.com/office/powerpoint/2010/main" id="1" dur="indefinite" restart="never" nodeType="tmRoot"/>
+        <p:cTn id="1" dur="indefinite" restart="never" nodeType="tmRoot"/>
       </p:par>
     </p:tnLst>
   </p:timing>
@@ -6359,13 +6498,13 @@
   <p:clrMapOvr>
     <a:masterClrMapping/>
   </p:clrMapOvr>
-  <p:transition xmlns:p14="http://schemas.microsoft.com/office/powerpoint/2010/main" spd="med">
+  <p:transition spd="med">
     <p:fade/>
   </p:transition>
   <p:timing>
     <p:tnLst>
       <p:par>
-        <p:cTn xmlns:p14="http://schemas.microsoft.com/office/powerpoint/2010/main" id="1" dur="indefinite" restart="never" nodeType="tmRoot"/>
+        <p:cTn id="1" dur="indefinite" restart="never" nodeType="tmRoot"/>
       </p:par>
     </p:tnLst>
   </p:timing>
@@ -6399,13 +6538,13 @@
   <p:clrMapOvr>
     <a:masterClrMapping/>
   </p:clrMapOvr>
-  <p:transition xmlns:p14="http://schemas.microsoft.com/office/powerpoint/2010/main" spd="med">
+  <p:transition spd="med">
     <p:fade/>
   </p:transition>
   <p:timing>
     <p:tnLst>
       <p:par>
-        <p:cTn xmlns:p14="http://schemas.microsoft.com/office/powerpoint/2010/main" id="1" dur="indefinite" restart="never" nodeType="tmRoot"/>
+        <p:cTn id="1" dur="indefinite" restart="never" nodeType="tmRoot"/>
       </p:par>
     </p:tnLst>
   </p:timing>
@@ -7019,13 +7158,13 @@
     <p:sldLayoutId id="2147483732" r:id="rId13"/>
     <p:sldLayoutId id="2147483733" r:id="rId14"/>
   </p:sldLayoutIdLst>
-  <p:transition xmlns:p14="http://schemas.microsoft.com/office/powerpoint/2010/main" spd="med">
+  <p:transition spd="med">
     <p:fade/>
   </p:transition>
   <p:timing>
     <p:tnLst>
       <p:par>
-        <p:cTn xmlns:p14="http://schemas.microsoft.com/office/powerpoint/2010/main" id="1" dur="indefinite" restart="never" nodeType="tmRoot"/>
+        <p:cTn id="1" dur="indefinite" restart="never" nodeType="tmRoot"/>
       </p:par>
     </p:tnLst>
   </p:timing>
@@ -7335,8 +7474,8 @@
         </p:nvSpPr>
         <p:spPr>
           <a:xfrm>
-            <a:off x="1371600" y="3581400"/>
-            <a:ext cx="6400800" cy="1752600"/>
+            <a:off x="685800" y="3581400"/>
+            <a:ext cx="7467600" cy="1752600"/>
           </a:xfrm>
         </p:spPr>
         <p:txBody>
@@ -7351,13 +7490,11 @@
           <a:p>
             <a:r>
               <a:rPr lang="en-US" dirty="0" smtClean="0"/>
-              <a:t>Agile Business Analysis </a:t>
-            </a:r>
-          </a:p>
-          <a:p>
+              <a:t>Agile Business </a:t>
+            </a:r>
             <a:r>
               <a:rPr lang="en-US" dirty="0" smtClean="0"/>
-              <a:t>workshop</a:t>
+              <a:t>Analysis workshop</a:t>
             </a:r>
             <a:endParaRPr lang="en-US" dirty="0"/>
           </a:p>
@@ -7385,14 +7522,14 @@
           </a:ln>
           <a:extLst>
             <a:ext uri="{909E8E84-426E-40dd-AFC4-6F175D3DCCD1}">
-              <a14:hiddenFill xmlns:a14="http://schemas.microsoft.com/office/drawing/2010/main">
+              <a14:hiddenFill xmlns:a14="http://schemas.microsoft.com/office/drawing/2010/main" xmlns="">
                 <a:solidFill>
                   <a:srgbClr val="FFFFFF"/>
                 </a:solidFill>
               </a14:hiddenFill>
             </a:ext>
             <a:ext uri="{91240B29-F687-4f45-9708-019B960494DF}">
-              <a14:hiddenLine xmlns:a14="http://schemas.microsoft.com/office/drawing/2010/main" w="9525">
+              <a14:hiddenLine xmlns:a14="http://schemas.microsoft.com/office/drawing/2010/main" xmlns="" w="9525">
                 <a:solidFill>
                   <a:srgbClr val="000000"/>
                 </a:solidFill>
@@ -7514,13 +7651,13 @@
   <p:clrMapOvr>
     <a:masterClrMapping/>
   </p:clrMapOvr>
-  <p:transition xmlns:p14="http://schemas.microsoft.com/office/powerpoint/2010/main" spd="med">
+  <p:transition spd="med">
     <p:fade/>
   </p:transition>
   <p:timing>
     <p:tnLst>
       <p:par>
-        <p:cTn xmlns:p14="http://schemas.microsoft.com/office/powerpoint/2010/main" id="1" dur="indefinite" restart="never" nodeType="tmRoot"/>
+        <p:cTn id="1" dur="indefinite" restart="never" nodeType="tmRoot"/>
       </p:par>
     </p:tnLst>
   </p:timing>
@@ -10402,13 +10539,13 @@
   <p:clrMapOvr>
     <a:masterClrMapping/>
   </p:clrMapOvr>
-  <p:transition xmlns:p14="http://schemas.microsoft.com/office/powerpoint/2010/main" spd="med">
+  <p:transition spd="med">
     <p:fade/>
   </p:transition>
   <p:timing>
     <p:tnLst>
       <p:par>
-        <p:cTn xmlns:p14="http://schemas.microsoft.com/office/powerpoint/2010/main" id="1" dur="indefinite" restart="never" nodeType="tmRoot">
+        <p:cTn id="1" dur="indefinite" restart="never" nodeType="tmRoot">
           <p:childTnLst>
             <p:seq concurrent="1" nextAc="seek">
               <p:cTn id="2" dur="indefinite" nodeType="mainSeq">
@@ -18493,13 +18630,13 @@
   <p:clrMapOvr>
     <a:masterClrMapping/>
   </p:clrMapOvr>
-  <p:transition xmlns:p14="http://schemas.microsoft.com/office/powerpoint/2010/main" spd="med">
+  <p:transition spd="med">
     <p:fade/>
   </p:transition>
   <p:timing>
     <p:tnLst>
       <p:par>
-        <p:cTn xmlns:p14="http://schemas.microsoft.com/office/powerpoint/2010/main" id="1" dur="indefinite" restart="never" nodeType="tmRoot">
+        <p:cTn id="1" dur="indefinite" restart="never" nodeType="tmRoot">
           <p:childTnLst>
             <p:seq concurrent="1" nextAc="seek">
               <p:cTn id="2" dur="indefinite" nodeType="mainSeq">
@@ -19419,7 +19556,7 @@
           <a:graphicData uri="http://schemas.openxmlformats.org/presentationml/2006/ole">
             <mc:AlternateContent xmlns:mc="http://schemas.openxmlformats.org/markup-compatibility/2006">
               <mc:Choice xmlns:v="urn:schemas-microsoft-com:vml" Requires="v">
-                <p:oleObj spid="_x0000_s1066" name="Document" r:id="rId5" imgW="6146800" imgH="3327400" progId="Word.Document.12">
+                <p:oleObj spid="_x0000_s1068" name="Document" r:id="rId5" imgW="6146800" imgH="3327400" progId="Word.Document.12">
                   <p:embed/>
                 </p:oleObj>
               </mc:Choice>
@@ -19452,7 +19589,7 @@
                       <a:noFill/>
                       <a:extLst>
                         <a:ext uri="{909E8E84-426E-40dd-AFC4-6F175D3DCCD1}">
-                          <a14:hiddenFill xmlns:a14="http://schemas.microsoft.com/office/drawing/2010/main">
+                          <a14:hiddenFill xmlns:a14="http://schemas.microsoft.com/office/drawing/2010/main" xmlns="">
                             <a:solidFill>
                               <a:srgbClr val="FFFFFF"/>
                             </a:solidFill>
@@ -19597,13 +19734,13 @@
   <p:clrMapOvr>
     <a:masterClrMapping/>
   </p:clrMapOvr>
-  <p:transition xmlns:p14="http://schemas.microsoft.com/office/powerpoint/2010/main" spd="med">
+  <p:transition spd="med">
     <p:fade/>
   </p:transition>
   <p:timing>
     <p:tnLst>
       <p:par>
-        <p:cTn xmlns:p14="http://schemas.microsoft.com/office/powerpoint/2010/main" id="1" dur="indefinite" restart="never" nodeType="tmRoot"/>
+        <p:cTn id="1" dur="indefinite" restart="never" nodeType="tmRoot"/>
       </p:par>
     </p:tnLst>
   </p:timing>
@@ -20397,13 +20534,13 @@
   <p:clrMapOvr>
     <a:masterClrMapping/>
   </p:clrMapOvr>
-  <p:transition xmlns:p14="http://schemas.microsoft.com/office/powerpoint/2010/main" spd="med">
+  <p:transition spd="med">
     <p:fade/>
   </p:transition>
   <p:timing>
     <p:tnLst>
       <p:par>
-        <p:cTn xmlns:p14="http://schemas.microsoft.com/office/powerpoint/2010/main" id="1" dur="indefinite" restart="never" nodeType="tmRoot"/>
+        <p:cTn id="1" dur="indefinite" restart="never" nodeType="tmRoot"/>
       </p:par>
     </p:tnLst>
   </p:timing>
@@ -21122,13 +21259,13 @@
   <p:clrMapOvr>
     <a:masterClrMapping/>
   </p:clrMapOvr>
-  <p:transition xmlns:p14="http://schemas.microsoft.com/office/powerpoint/2010/main">
+  <p:transition>
     <p:fade/>
   </p:transition>
   <p:timing>
     <p:tnLst>
       <p:par>
-        <p:cTn xmlns:p14="http://schemas.microsoft.com/office/powerpoint/2010/main" id="1" dur="indefinite" restart="never" nodeType="tmRoot"/>
+        <p:cTn id="1" dur="indefinite" restart="never" nodeType="tmRoot"/>
       </p:par>
     </p:tnLst>
   </p:timing>
@@ -24337,13 +24474,13 @@
   <p:clrMapOvr>
     <a:masterClrMapping/>
   </p:clrMapOvr>
-  <p:transition xmlns:p14="http://schemas.microsoft.com/office/powerpoint/2010/main" spd="med">
+  <p:transition spd="med">
     <p:fade/>
   </p:transition>
   <p:timing>
     <p:tnLst>
       <p:par>
-        <p:cTn xmlns:p14="http://schemas.microsoft.com/office/powerpoint/2010/main" id="1" dur="indefinite" restart="never" nodeType="tmRoot">
+        <p:cTn id="1" dur="indefinite" restart="never" nodeType="tmRoot">
           <p:childTnLst>
             <p:seq concurrent="1" nextAc="seek">
               <p:cTn id="2" dur="indefinite" nodeType="mainSeq">
@@ -25449,13 +25586,13 @@
   <p:clrMapOvr>
     <a:masterClrMapping/>
   </p:clrMapOvr>
-  <p:transition xmlns:p14="http://schemas.microsoft.com/office/powerpoint/2010/main" spd="med">
+  <p:transition spd="med">
     <p:fade/>
   </p:transition>
   <p:timing>
     <p:tnLst>
       <p:par>
-        <p:cTn xmlns:p14="http://schemas.microsoft.com/office/powerpoint/2010/main" id="1" dur="indefinite" restart="never" nodeType="tmRoot">
+        <p:cTn id="1" dur="indefinite" restart="never" nodeType="tmRoot">
           <p:childTnLst>
             <p:seq concurrent="1" nextAc="seek">
               <p:cTn id="2" dur="indefinite" nodeType="mainSeq">
@@ -25967,7 +26104,7 @@
         <p:spPr/>
         <p:txBody>
           <a:bodyPr>
-            <a:normAutofit fontScale="90000"/>
+            <a:normAutofit/>
           </a:bodyPr>
           <a:lstStyle/>
           <a:p>
@@ -25984,11 +26121,11 @@
   <p:clrMapOvr>
     <a:masterClrMapping/>
   </p:clrMapOvr>
-  <p:transition xmlns:p14="http://schemas.microsoft.com/office/powerpoint/2010/main"/>
+  <p:transition/>
   <p:timing>
     <p:tnLst>
       <p:par>
-        <p:cTn xmlns:p14="http://schemas.microsoft.com/office/powerpoint/2010/main" id="1" dur="indefinite" restart="never" nodeType="tmRoot"/>
+        <p:cTn id="1" dur="indefinite" restart="never" nodeType="tmRoot"/>
       </p:par>
     </p:tnLst>
   </p:timing>
@@ -27742,13 +27879,13 @@
   <p:clrMapOvr>
     <a:masterClrMapping/>
   </p:clrMapOvr>
-  <p:transition xmlns:p14="http://schemas.microsoft.com/office/powerpoint/2010/main" spd="med">
+  <p:transition spd="med">
     <p:fade/>
   </p:transition>
   <p:timing>
     <p:tnLst>
       <p:par>
-        <p:cTn xmlns:p14="http://schemas.microsoft.com/office/powerpoint/2010/main" id="1" dur="indefinite" restart="never" nodeType="tmRoot">
+        <p:cTn id="1" dur="indefinite" restart="never" nodeType="tmRoot">
           <p:childTnLst>
             <p:seq concurrent="1" nextAc="seek">
               <p:cTn id="2" dur="indefinite" nodeType="mainSeq">
@@ -27998,7 +28135,7 @@
         </p:blipFill>
         <p:spPr>
           <a:xfrm>
-            <a:off x="7543800" y="2819400"/>
+            <a:off x="7501880" y="2017149"/>
             <a:ext cx="1184920" cy="3340100"/>
           </a:xfrm>
           <a:prstGeom prst="rect">
@@ -28011,13 +28148,13 @@
   <p:clrMapOvr>
     <a:masterClrMapping/>
   </p:clrMapOvr>
-  <p:transition xmlns:p14="http://schemas.microsoft.com/office/powerpoint/2010/main" spd="med">
+  <p:transition spd="med">
     <p:fade/>
   </p:transition>
   <p:timing>
     <p:tnLst>
       <p:par>
-        <p:cTn xmlns:p14="http://schemas.microsoft.com/office/powerpoint/2010/main" id="1" dur="indefinite" restart="never" nodeType="tmRoot"/>
+        <p:cTn id="1" dur="indefinite" restart="never" nodeType="tmRoot"/>
       </p:par>
     </p:tnLst>
   </p:timing>
@@ -28141,13 +28278,13 @@
   <p:clrMapOvr>
     <a:masterClrMapping/>
   </p:clrMapOvr>
-  <p:transition xmlns:p14="http://schemas.microsoft.com/office/powerpoint/2010/main" spd="med">
+  <p:transition spd="med">
     <p:fade/>
   </p:transition>
   <p:timing>
     <p:tnLst>
       <p:par>
-        <p:cTn xmlns:p14="http://schemas.microsoft.com/office/powerpoint/2010/main" id="1" dur="indefinite" restart="never" nodeType="tmRoot"/>
+        <p:cTn id="1" dur="indefinite" restart="never" nodeType="tmRoot"/>
       </p:par>
     </p:tnLst>
   </p:timing>
@@ -28286,7 +28423,7 @@
         </p:blipFill>
         <p:spPr>
           <a:xfrm>
-            <a:off x="7543800" y="2819400"/>
+            <a:off x="7501880" y="2017149"/>
             <a:ext cx="1184920" cy="3340100"/>
           </a:xfrm>
           <a:prstGeom prst="rect">
@@ -28299,13 +28436,13 @@
   <p:clrMapOvr>
     <a:masterClrMapping/>
   </p:clrMapOvr>
-  <p:transition xmlns:p14="http://schemas.microsoft.com/office/powerpoint/2010/main" spd="med">
+  <p:transition spd="med">
     <p:fade/>
   </p:transition>
   <p:timing>
     <p:tnLst>
       <p:par>
-        <p:cTn xmlns:p14="http://schemas.microsoft.com/office/powerpoint/2010/main" id="1" dur="indefinite" restart="never" nodeType="tmRoot"/>
+        <p:cTn id="1" dur="indefinite" restart="never" nodeType="tmRoot"/>
       </p:par>
     </p:tnLst>
   </p:timing>
@@ -28357,11 +28494,11 @@
   <p:clrMapOvr>
     <a:masterClrMapping/>
   </p:clrMapOvr>
-  <p:transition xmlns:p14="http://schemas.microsoft.com/office/powerpoint/2010/main"/>
+  <p:transition/>
   <p:timing>
     <p:tnLst>
       <p:par>
-        <p:cTn xmlns:p14="http://schemas.microsoft.com/office/powerpoint/2010/main" id="1" dur="indefinite" restart="never" nodeType="tmRoot"/>
+        <p:cTn id="1" dur="indefinite" restart="never" nodeType="tmRoot"/>
       </p:par>
     </p:tnLst>
   </p:timing>
@@ -28398,7 +28535,7 @@
         <p:spPr/>
         <p:txBody>
           <a:bodyPr>
-            <a:normAutofit fontScale="90000"/>
+            <a:normAutofit/>
           </a:bodyPr>
           <a:lstStyle/>
           <a:p>
@@ -28501,13 +28638,13 @@
   <p:clrMapOvr>
     <a:masterClrMapping/>
   </p:clrMapOvr>
-  <p:transition xmlns:p14="http://schemas.microsoft.com/office/powerpoint/2010/main" spd="med">
+  <p:transition spd="med">
     <p:fade/>
   </p:transition>
   <p:timing>
     <p:tnLst>
       <p:par>
-        <p:cTn xmlns:p14="http://schemas.microsoft.com/office/powerpoint/2010/main" id="1" dur="indefinite" restart="never" nodeType="tmRoot"/>
+        <p:cTn id="1" dur="indefinite" restart="never" nodeType="tmRoot"/>
       </p:par>
     </p:tnLst>
   </p:timing>
@@ -28610,13 +28747,13 @@
   <p:clrMapOvr>
     <a:masterClrMapping/>
   </p:clrMapOvr>
-  <p:transition xmlns:p14="http://schemas.microsoft.com/office/powerpoint/2010/main" spd="med">
+  <p:transition spd="med">
     <p:fade/>
   </p:transition>
   <p:timing>
     <p:tnLst>
       <p:par>
-        <p:cTn xmlns:p14="http://schemas.microsoft.com/office/powerpoint/2010/main" id="1" dur="indefinite" restart="never" nodeType="tmRoot"/>
+        <p:cTn id="1" dur="indefinite" restart="never" nodeType="tmRoot"/>
       </p:par>
     </p:tnLst>
   </p:timing>
@@ -28745,13 +28882,13 @@
   <p:clrMapOvr>
     <a:masterClrMapping/>
   </p:clrMapOvr>
-  <p:transition xmlns:p14="http://schemas.microsoft.com/office/powerpoint/2010/main" spd="med">
+  <p:transition spd="med">
     <p:fade/>
   </p:transition>
   <p:timing>
     <p:tnLst>
       <p:par>
-        <p:cTn xmlns:p14="http://schemas.microsoft.com/office/powerpoint/2010/main" id="1" dur="indefinite" restart="never" nodeType="tmRoot"/>
+        <p:cTn id="1" dur="indefinite" restart="never" nodeType="tmRoot"/>
       </p:par>
     </p:tnLst>
   </p:timing>
@@ -28881,13 +29018,13 @@
   <p:clrMapOvr>
     <a:masterClrMapping/>
   </p:clrMapOvr>
-  <p:transition xmlns:p14="http://schemas.microsoft.com/office/powerpoint/2010/main" spd="med">
+  <p:transition spd="med">
     <p:fade/>
   </p:transition>
   <p:timing>
     <p:tnLst>
       <p:par>
-        <p:cTn xmlns:p14="http://schemas.microsoft.com/office/powerpoint/2010/main" id="1" dur="indefinite" restart="never" nodeType="tmRoot"/>
+        <p:cTn id="1" dur="indefinite" restart="never" nodeType="tmRoot"/>
       </p:par>
     </p:tnLst>
   </p:timing>
@@ -29017,13 +29154,13 @@
   <p:clrMapOvr>
     <a:masterClrMapping/>
   </p:clrMapOvr>
-  <p:transition xmlns:p14="http://schemas.microsoft.com/office/powerpoint/2010/main" spd="med">
+  <p:transition spd="med">
     <p:fade/>
   </p:transition>
   <p:timing>
     <p:tnLst>
       <p:par>
-        <p:cTn xmlns:p14="http://schemas.microsoft.com/office/powerpoint/2010/main" id="1" dur="indefinite" restart="never" nodeType="tmRoot"/>
+        <p:cTn id="1" dur="indefinite" restart="never" nodeType="tmRoot"/>
       </p:par>
     </p:tnLst>
   </p:timing>
@@ -29441,14 +29578,14 @@
     <mc:Choice Requires="p14">
       <p:transition spd="slow" p14:dur="2000"/>
     </mc:Choice>
-    <mc:Fallback xmlns:mv="urn:schemas-microsoft-com:mac:vml" xmlns="">
+    <mc:Fallback xmlns="" xmlns:mv="urn:schemas-microsoft-com:mac:vml">
       <p:transition spd="slow"/>
     </mc:Fallback>
   </mc:AlternateContent>
   <p:timing>
     <p:tnLst>
       <p:par>
-        <p:cTn xmlns:p14="http://schemas.microsoft.com/office/powerpoint/2010/main" id="1" dur="indefinite" restart="never" nodeType="tmRoot"/>
+        <p:cTn id="1" dur="indefinite" restart="never" nodeType="tmRoot"/>
       </p:par>
     </p:tnLst>
   </p:timing>
@@ -29495,75 +29632,6 @@
           </a:p>
         </p:txBody>
       </p:sp>
-      <p:sp>
-        <p:nvSpPr>
-          <p:cNvPr id="5" name="Content Placeholder 4"/>
-          <p:cNvSpPr>
-            <a:spLocks noGrp="1"/>
-          </p:cNvSpPr>
-          <p:nvPr>
-            <p:ph idx="1"/>
-          </p:nvPr>
-        </p:nvSpPr>
-        <p:spPr/>
-        <p:txBody>
-          <a:bodyPr/>
-          <a:lstStyle/>
-          <a:p>
-            <a:r>
-              <a:rPr lang="en-US" dirty="0" smtClean="0"/>
-              <a:t>What </a:t>
-            </a:r>
-            <a:r>
-              <a:rPr lang="en-US" b="1" dirty="0" smtClean="0"/>
-              <a:t>went well</a:t>
-            </a:r>
-            <a:r>
-              <a:rPr lang="en-US" dirty="0" smtClean="0"/>
-              <a:t>?  </a:t>
-            </a:r>
-          </a:p>
-          <a:p>
-            <a:r>
-              <a:rPr lang="en-US" dirty="0" smtClean="0"/>
-              <a:t>What </a:t>
-            </a:r>
-            <a:r>
-              <a:rPr lang="en-US" b="1" dirty="0" smtClean="0"/>
-              <a:t>key </a:t>
-            </a:r>
-            <a:r>
-              <a:rPr lang="en-US" b="1" dirty="0" err="1" smtClean="0"/>
-              <a:t>learnings</a:t>
-            </a:r>
-            <a:r>
-              <a:rPr lang="en-US" b="1" dirty="0" smtClean="0"/>
-              <a:t> </a:t>
-            </a:r>
-            <a:r>
-              <a:rPr lang="en-US" dirty="0" smtClean="0"/>
-              <a:t>did you take from that exercise?</a:t>
-            </a:r>
-          </a:p>
-          <a:p>
-            <a:r>
-              <a:rPr lang="en-US" dirty="0" smtClean="0"/>
-              <a:t>What </a:t>
-            </a:r>
-            <a:r>
-              <a:rPr lang="en-US" b="1" dirty="0" smtClean="0"/>
-              <a:t>still puzzles you</a:t>
-            </a:r>
-            <a:r>
-              <a:rPr lang="en-US" dirty="0" smtClean="0"/>
-              <a:t>?</a:t>
-            </a:r>
-          </a:p>
-          <a:p>
-            <a:endParaRPr lang="en-US" dirty="0"/>
-          </a:p>
-        </p:txBody>
-      </p:sp>
       <p:pic>
         <p:nvPicPr>
           <p:cNvPr id="6" name="Picture 5" descr="confused-flipped.jpg"/>
@@ -29591,7 +29659,7 @@
         </p:blipFill>
         <p:spPr>
           <a:xfrm>
-            <a:off x="7315200" y="1981200"/>
+            <a:off x="7424420" y="1641625"/>
             <a:ext cx="1262380" cy="4533900"/>
           </a:xfrm>
           <a:prstGeom prst="rect">
@@ -29599,18 +29667,87 @@
           </a:prstGeom>
         </p:spPr>
       </p:pic>
+      <p:sp>
+        <p:nvSpPr>
+          <p:cNvPr id="5" name="Content Placeholder 4"/>
+          <p:cNvSpPr>
+            <a:spLocks noGrp="1"/>
+          </p:cNvSpPr>
+          <p:nvPr>
+            <p:ph idx="1"/>
+          </p:nvPr>
+        </p:nvSpPr>
+        <p:spPr/>
+        <p:txBody>
+          <a:bodyPr/>
+          <a:lstStyle/>
+          <a:p>
+            <a:r>
+              <a:rPr lang="en-US" dirty="0" smtClean="0"/>
+              <a:t>What </a:t>
+            </a:r>
+            <a:r>
+              <a:rPr lang="en-US" b="1" dirty="0" smtClean="0"/>
+              <a:t>went well</a:t>
+            </a:r>
+            <a:r>
+              <a:rPr lang="en-US" dirty="0" smtClean="0"/>
+              <a:t>?  </a:t>
+            </a:r>
+          </a:p>
+          <a:p>
+            <a:r>
+              <a:rPr lang="en-US" dirty="0" smtClean="0"/>
+              <a:t>What </a:t>
+            </a:r>
+            <a:r>
+              <a:rPr lang="en-US" b="1" dirty="0" smtClean="0"/>
+              <a:t>key </a:t>
+            </a:r>
+            <a:r>
+              <a:rPr lang="en-US" b="1" dirty="0" err="1" smtClean="0"/>
+              <a:t>learnings</a:t>
+            </a:r>
+            <a:r>
+              <a:rPr lang="en-US" b="1" dirty="0" smtClean="0"/>
+              <a:t> </a:t>
+            </a:r>
+            <a:r>
+              <a:rPr lang="en-US" dirty="0" smtClean="0"/>
+              <a:t>did you take from that exercise?</a:t>
+            </a:r>
+          </a:p>
+          <a:p>
+            <a:r>
+              <a:rPr lang="en-US" dirty="0" smtClean="0"/>
+              <a:t>What </a:t>
+            </a:r>
+            <a:r>
+              <a:rPr lang="en-US" b="1" dirty="0" smtClean="0"/>
+              <a:t>still puzzles you</a:t>
+            </a:r>
+            <a:r>
+              <a:rPr lang="en-US" dirty="0" smtClean="0"/>
+              <a:t>?</a:t>
+            </a:r>
+          </a:p>
+          <a:p>
+            <a:endParaRPr lang="en-US" dirty="0"/>
+          </a:p>
+        </p:txBody>
+      </p:sp>
     </p:spTree>
   </p:cSld>
   <p:clrMapOvr>
     <a:masterClrMapping/>
   </p:clrMapOvr>
-  <p:transition xmlns:p14="http://schemas.microsoft.com/office/powerpoint/2010/main" spd="med">
+  <p:transition spd="med">
     <p:fade/>
   </p:transition>
   <p:timing>
     <p:tnLst>
       <p:par>
-        <p:cTn xmlns:p14="http://schemas.microsoft.com/office/powerpoint/2010/main" id="1" dur="indefinite" restart="never" nodeType="tmRoot"/>
+        <p:cTn id="1" dur="indefinite" restart="never" nodeType="tmRoot"/>
       </p:par>
     </p:tnLst>
   </p:timing>
@@ -29717,13 +29854,13 @@
   <p:clrMapOvr>
     <a:masterClrMapping/>
   </p:clrMapOvr>
-  <p:transition xmlns:p14="http://schemas.microsoft.com/office/powerpoint/2010/main" spd="med">
+  <p:transition spd="med">
     <p:fade/>
   </p:transition>
   <p:timing>
     <p:tnLst>
       <p:par>
-        <p:cTn xmlns:p14="http://schemas.microsoft.com/office/powerpoint/2010/main" id="1" dur="indefinite" restart="never" nodeType="tmRoot"/>
+        <p:cTn id="1" dur="indefinite" restart="never" nodeType="tmRoot"/>
       </p:par>
     </p:tnLst>
   </p:timing>
@@ -29902,13 +30039,13 @@
   <p:clrMapOvr>
     <a:masterClrMapping/>
   </p:clrMapOvr>
-  <p:transition xmlns:p14="http://schemas.microsoft.com/office/powerpoint/2010/main" spd="med">
+  <p:transition spd="med">
     <p:fade/>
   </p:transition>
   <p:timing>
     <p:tnLst>
       <p:par>
-        <p:cTn xmlns:p14="http://schemas.microsoft.com/office/powerpoint/2010/main" id="1" dur="indefinite" restart="never" nodeType="tmRoot"/>
+        <p:cTn id="1" dur="indefinite" restart="never" nodeType="tmRoot"/>
       </p:par>
     </p:tnLst>
   </p:timing>
@@ -29965,11 +30102,11 @@
   <p:clrMapOvr>
     <a:masterClrMapping/>
   </p:clrMapOvr>
-  <p:transition xmlns:p14="http://schemas.microsoft.com/office/powerpoint/2010/main"/>
+  <p:transition/>
   <p:timing>
     <p:tnLst>
       <p:par>
-        <p:cTn xmlns:p14="http://schemas.microsoft.com/office/powerpoint/2010/main" id="1" dur="indefinite" restart="never" nodeType="tmRoot"/>
+        <p:cTn id="1" dur="indefinite" restart="never" nodeType="tmRoot"/>
       </p:par>
     </p:tnLst>
   </p:timing>
@@ -30061,13 +30198,13 @@
   <p:clrMapOvr>
     <a:masterClrMapping/>
   </p:clrMapOvr>
-  <p:transition xmlns:p14="http://schemas.microsoft.com/office/powerpoint/2010/main" spd="med">
+  <p:transition spd="med">
     <p:fade/>
   </p:transition>
   <p:timing>
     <p:tnLst>
       <p:par>
-        <p:cTn xmlns:p14="http://schemas.microsoft.com/office/powerpoint/2010/main" id="1" dur="indefinite" restart="never" nodeType="tmRoot"/>
+        <p:cTn id="1" dur="indefinite" restart="never" nodeType="tmRoot"/>
       </p:par>
     </p:tnLst>
   </p:timing>
@@ -30216,7 +30353,7 @@
         </p:blipFill>
         <p:spPr>
           <a:xfrm>
-            <a:off x="7543800" y="2819400"/>
+            <a:off x="7543800" y="2362200"/>
             <a:ext cx="1184920" cy="3340100"/>
           </a:xfrm>
           <a:prstGeom prst="rect">
@@ -30234,13 +30371,13 @@
   <p:clrMapOvr>
     <a:masterClrMapping/>
   </p:clrMapOvr>
-  <p:transition xmlns:p14="http://schemas.microsoft.com/office/powerpoint/2010/main" spd="med">
+  <p:transition spd="med">
     <p:fade/>
   </p:transition>
   <p:timing>
     <p:tnLst>
       <p:par>
-        <p:cTn xmlns:p14="http://schemas.microsoft.com/office/powerpoint/2010/main" id="1" dur="indefinite" restart="never" nodeType="tmRoot"/>
+        <p:cTn id="1" dur="indefinite" restart="never" nodeType="tmRoot"/>
       </p:par>
     </p:tnLst>
   </p:timing>
@@ -30293,13 +30430,13 @@
   <p:clrMapOvr>
     <a:masterClrMapping/>
   </p:clrMapOvr>
-  <p:transition xmlns:p14="http://schemas.microsoft.com/office/powerpoint/2010/main" spd="med">
+  <p:transition spd="med">
     <p:fade/>
   </p:transition>
   <p:timing>
     <p:tnLst>
       <p:par>
-        <p:cTn xmlns:p14="http://schemas.microsoft.com/office/powerpoint/2010/main" id="1" dur="indefinite" restart="never" nodeType="tmRoot"/>
+        <p:cTn id="1" dur="indefinite" restart="never" nodeType="tmRoot"/>
       </p:par>
     </p:tnLst>
   </p:timing>
@@ -30351,11 +30488,11 @@
   <p:clrMapOvr>
     <a:masterClrMapping/>
   </p:clrMapOvr>
-  <p:transition xmlns:p14="http://schemas.microsoft.com/office/powerpoint/2010/main"/>
+  <p:transition/>
   <p:timing>
     <p:tnLst>
       <p:par>
-        <p:cTn xmlns:p14="http://schemas.microsoft.com/office/powerpoint/2010/main" id="1" dur="indefinite" restart="never" nodeType="tmRoot"/>
+        <p:cTn id="1" dur="indefinite" restart="never" nodeType="tmRoot"/>
       </p:par>
     </p:tnLst>
   </p:timing>
@@ -30562,13 +30699,13 @@
   <p:clrMapOvr>
     <a:masterClrMapping/>
   </p:clrMapOvr>
-  <p:transition xmlns:p14="http://schemas.microsoft.com/office/powerpoint/2010/main" spd="med">
+  <p:transition spd="med">
     <p:fade/>
   </p:transition>
   <p:timing>
     <p:tnLst>
       <p:par>
-        <p:cTn xmlns:p14="http://schemas.microsoft.com/office/powerpoint/2010/main" id="1" dur="indefinite" restart="never" nodeType="tmRoot"/>
+        <p:cTn id="1" dur="indefinite" restart="never" nodeType="tmRoot"/>
       </p:par>
     </p:tnLst>
   </p:timing>
@@ -30700,13 +30837,13 @@
   <p:clrMapOvr>
     <a:masterClrMapping/>
   </p:clrMapOvr>
-  <p:transition xmlns:p14="http://schemas.microsoft.com/office/powerpoint/2010/main" spd="med">
+  <p:transition spd="med">
     <p:fade/>
   </p:transition>
   <p:timing>
     <p:tnLst>
       <p:par>
-        <p:cTn xmlns:p14="http://schemas.microsoft.com/office/powerpoint/2010/main" id="1" dur="indefinite" restart="never" nodeType="tmRoot"/>
+        <p:cTn id="1" dur="indefinite" restart="never" nodeType="tmRoot"/>
       </p:par>
     </p:tnLst>
   </p:timing>
